--- a/教學.pptx
+++ b/教學.pptx
@@ -14896,7 +14896,7 @@
           <a:lstStyle/>
           <a:p>
             <a:r>
-              <a:rPr lang="zh-TW" altLang="en-US" dirty="0">
+              <a:rPr lang="zh-TW" altLang="en-US" b="1" dirty="0">
                 <a:solidFill>
                   <a:srgbClr val="FF0000"/>
                 </a:solidFill>
